--- a/Session 15 - ALM in Power BI with Deployment Pipelines.pptx
+++ b/Session 15 - ALM in Power BI with Deployment Pipelines.pptx
@@ -500,7 +500,7 @@
           <a:p>
             <a:fld id="{DCE60099-03E7-4FA1-8A7F-E6E6CFB0F855}" type="datetime8">
               <a:rPr lang="en-US" smtClean="0"/>
-              <a:t>10/28/2021 1:03 PM</a:t>
+              <a:t>10/28/2021 1:17 PM</a:t>
             </a:fld>
             <a:endParaRPr lang="en-US"/>
           </a:p>
@@ -1818,7 +1818,7 @@
                 <a:tabLst/>
                 <a:defRPr/>
               </a:pPr>
-              <a:t>10/28/2021 1:03 PM</a:t>
+              <a:t>10/28/2021 1:17 PM</a:t>
             </a:fld>
             <a:endParaRPr kumimoji="0" lang="en-US" sz="1200" b="0" i="0" u="none" strike="noStrike" kern="1200" cap="none" spc="0" normalizeH="0" baseline="0" noProof="0" dirty="0">
               <a:ln>
@@ -2154,7 +2154,7 @@
                 <a:tabLst/>
                 <a:defRPr/>
               </a:pPr>
-              <a:t>10/28/2021 1:03 PM</a:t>
+              <a:t>10/28/2021 1:17 PM</a:t>
             </a:fld>
             <a:endParaRPr kumimoji="0" lang="en-US" sz="1200" b="0" i="0" u="none" strike="noStrike" kern="1200" cap="none" spc="0" normalizeH="0" baseline="0" noProof="0" dirty="0">
               <a:ln>
@@ -2490,7 +2490,7 @@
                 <a:tabLst/>
                 <a:defRPr/>
               </a:pPr>
-              <a:t>10/28/2021 1:03 PM</a:t>
+              <a:t>10/28/2021 1:17 PM</a:t>
             </a:fld>
             <a:endParaRPr kumimoji="0" lang="en-US" sz="1200" b="0" i="0" u="none" strike="noStrike" kern="1200" cap="none" spc="0" normalizeH="0" baseline="0" noProof="0" dirty="0">
               <a:ln>
@@ -2830,7 +2830,7 @@
                 <a:tabLst/>
                 <a:defRPr/>
               </a:pPr>
-              <a:t>10/28/2021 1:03 PM</a:t>
+              <a:t>10/28/2021 1:17 PM</a:t>
             </a:fld>
             <a:endParaRPr kumimoji="0" lang="en-US" sz="1200" b="0" i="0" u="none" strike="noStrike" kern="1200" cap="none" spc="0" normalizeH="0" baseline="0" noProof="0" dirty="0">
               <a:ln>
@@ -6851,7 +6851,7 @@
           <a:graphicData uri="http://schemas.openxmlformats.org/presentationml/2006/ole">
             <mc:AlternateContent xmlns:mc="http://schemas.openxmlformats.org/markup-compatibility/2006">
               <mc:Choice xmlns:v="urn:schemas-microsoft-com:vml" Requires="v">
-                <p:oleObj spid="_x0000_s5126" name="Bitmap Image" r:id="rId3" imgW="14615280" imgH="6789600" progId="Paint.Picture">
+                <p:oleObj spid="_x0000_s5127" name="Bitmap Image" r:id="rId3" imgW="14615280" imgH="6789600" progId="Paint.Picture">
                   <p:embed/>
                 </p:oleObj>
               </mc:Choice>
@@ -16228,7 +16228,7 @@
           <a:graphicData uri="http://schemas.openxmlformats.org/presentationml/2006/ole">
             <mc:AlternateContent xmlns:mc="http://schemas.openxmlformats.org/markup-compatibility/2006">
               <mc:Choice xmlns:v="urn:schemas-microsoft-com:vml" Requires="v">
-                <p:oleObj spid="_x0000_s1091" name="Bitmap Image" r:id="rId4" imgW="380880" imgH="343080" progId="Paint.Picture">
+                <p:oleObj spid="_x0000_s1096" name="Bitmap Image" r:id="rId4" imgW="380880" imgH="343080" progId="Paint.Picture">
                   <p:embed/>
                 </p:oleObj>
               </mc:Choice>
@@ -16291,7 +16291,7 @@
           <a:graphicData uri="http://schemas.openxmlformats.org/presentationml/2006/ole">
             <mc:AlternateContent xmlns:mc="http://schemas.openxmlformats.org/markup-compatibility/2006">
               <mc:Choice xmlns:v="urn:schemas-microsoft-com:vml" Requires="v">
-                <p:oleObj spid="_x0000_s1092" name="Bitmap Image" r:id="rId6" imgW="373320" imgH="365760" progId="Paint.Picture">
+                <p:oleObj spid="_x0000_s1097" name="Bitmap Image" r:id="rId6" imgW="373320" imgH="365760" progId="Paint.Picture">
                   <p:embed/>
                 </p:oleObj>
               </mc:Choice>
@@ -16354,7 +16354,7 @@
           <a:graphicData uri="http://schemas.openxmlformats.org/presentationml/2006/ole">
             <mc:AlternateContent xmlns:mc="http://schemas.openxmlformats.org/markup-compatibility/2006">
               <mc:Choice xmlns:v="urn:schemas-microsoft-com:vml" Requires="v">
-                <p:oleObj spid="_x0000_s1093" name="Bitmap Image" r:id="rId8" imgW="358200" imgH="350640" progId="Paint.Picture">
+                <p:oleObj spid="_x0000_s1098" name="Bitmap Image" r:id="rId8" imgW="358200" imgH="350640" progId="Paint.Picture">
                   <p:embed/>
                 </p:oleObj>
               </mc:Choice>
@@ -16417,7 +16417,7 @@
           <a:graphicData uri="http://schemas.openxmlformats.org/presentationml/2006/ole">
             <mc:AlternateContent xmlns:mc="http://schemas.openxmlformats.org/markup-compatibility/2006">
               <mc:Choice xmlns:v="urn:schemas-microsoft-com:vml" Requires="v">
-                <p:oleObj spid="_x0000_s1094" name="Bitmap Image" r:id="rId10" imgW="358200" imgH="350640" progId="Paint.Picture">
+                <p:oleObj spid="_x0000_s1099" name="Bitmap Image" r:id="rId10" imgW="358200" imgH="350640" progId="Paint.Picture">
                   <p:embed/>
                 </p:oleObj>
               </mc:Choice>
@@ -16480,7 +16480,7 @@
           <a:graphicData uri="http://schemas.openxmlformats.org/presentationml/2006/ole">
             <mc:AlternateContent xmlns:mc="http://schemas.openxmlformats.org/markup-compatibility/2006">
               <mc:Choice xmlns:v="urn:schemas-microsoft-com:vml" Requires="v">
-                <p:oleObj spid="_x0000_s1095" name="Bitmap Image" r:id="rId12" imgW="358200" imgH="350640" progId="Paint.Picture">
+                <p:oleObj spid="_x0000_s1100" name="Bitmap Image" r:id="rId12" imgW="358200" imgH="350640" progId="Paint.Picture">
                   <p:embed/>
                 </p:oleObj>
               </mc:Choice>
@@ -22155,10 +22155,10 @@
       </p:sp>
       <p:pic>
         <p:nvPicPr>
-          <p:cNvPr id="5" name="Picture 4">
+          <p:cNvPr id="3" name="Picture 2">
             <a:extLst>
               <a:ext uri="{FF2B5EF4-FFF2-40B4-BE49-F238E27FC236}">
-                <a16:creationId xmlns:a16="http://schemas.microsoft.com/office/drawing/2014/main" id="{204574D1-A809-4DC0-8BD3-43A96C2D98CC}"/>
+                <a16:creationId xmlns:a16="http://schemas.microsoft.com/office/drawing/2014/main" id="{CAE07442-418B-437F-BAD9-9C82824FBBFD}"/>
               </a:ext>
             </a:extLst>
           </p:cNvPr>
@@ -22175,8 +22175,8 @@
         </p:blipFill>
         <p:spPr>
           <a:xfrm>
-            <a:off x="856035" y="1906591"/>
-            <a:ext cx="9430628" cy="4826754"/>
+            <a:off x="902823" y="1796896"/>
+            <a:ext cx="9193677" cy="5083329"/>
           </a:xfrm>
           <a:prstGeom prst="rect">
             <a:avLst/>
@@ -23468,7 +23468,7 @@
           <a:graphicData uri="http://schemas.openxmlformats.org/presentationml/2006/ole">
             <mc:AlternateContent xmlns:mc="http://schemas.openxmlformats.org/markup-compatibility/2006">
               <mc:Choice xmlns:v="urn:schemas-microsoft-com:vml" Requires="v">
-                <p:oleObj spid="_x0000_s6150" name="Bitmap Image" r:id="rId4" imgW="4526280" imgH="3863520" progId="Paint.Picture">
+                <p:oleObj spid="_x0000_s6151" name="Bitmap Image" r:id="rId4" imgW="4526280" imgH="3863520" progId="Paint.Picture">
                   <p:embed/>
                 </p:oleObj>
               </mc:Choice>
@@ -39054,21 +39054,12 @@
 </file>
 
 <file path=customXml/item1.xml><?xml version="1.0" encoding="utf-8"?>
-<?mso-contentType ?>
-<FormTemplates xmlns="http://schemas.microsoft.com/sharepoint/v3/contenttype/forms">
-  <Display>DocumentLibraryForm</Display>
-  <Edit>DocumentLibraryForm</Edit>
-  <New>DocumentLibraryForm</New>
-</FormTemplates>
-</file>
-
-<file path=customXml/item2.xml><?xml version="1.0" encoding="utf-8"?>
 <p:properties xmlns:p="http://schemas.microsoft.com/office/2006/metadata/properties" xmlns:xsi="http://www.w3.org/2001/XMLSchema-instance" xmlns:pc="http://schemas.microsoft.com/office/infopath/2007/PartnerControls">
   <documentManagement/>
 </p:properties>
 </file>
 
-<file path=customXml/item3.xml><?xml version="1.0" encoding="utf-8"?>
+<file path=customXml/item2.xml><?xml version="1.0" encoding="utf-8"?>
 <ct:contentTypeSchema xmlns:ct="http://schemas.microsoft.com/office/2006/metadata/contentType" xmlns:ma="http://schemas.microsoft.com/office/2006/metadata/properties/metaAttributes" ct:_="" ma:_="" ma:contentTypeName="Document" ma:contentTypeID="0x0101000937CBA2829AB54C847AA138BDB6DD62" ma:contentTypeVersion="6" ma:contentTypeDescription="Create a new document." ma:contentTypeScope="" ma:versionID="0f7e39fa3406a6f330081ac46f53a9d2">
   <xsd:schema xmlns:xsd="http://www.w3.org/2001/XMLSchema" xmlns:xs="http://www.w3.org/2001/XMLSchema" xmlns:p="http://schemas.microsoft.com/office/2006/metadata/properties" xmlns:ns2="ef38329b-e139-4eb4-9d7a-1b84c79a6610" targetNamespace="http://schemas.microsoft.com/office/2006/metadata/properties" ma:root="true" ma:fieldsID="c5e10262f8d934c139771ac03f38712c" ns2:_="">
     <xsd:import namespace="ef38329b-e139-4eb4-9d7a-1b84c79a6610"/>
@@ -39220,15 +39211,16 @@
 </ct:contentTypeSchema>
 </file>
 
-<file path=customXml/itemProps1.xml><?xml version="1.0" encoding="utf-8"?>
-<ds:datastoreItem xmlns:ds="http://schemas.openxmlformats.org/officeDocument/2006/customXml" ds:itemID="{758FDAC0-319D-4A54-8D8E-1D42CB1F8004}">
-  <ds:schemaRefs>
-    <ds:schemaRef ds:uri="http://schemas.microsoft.com/sharepoint/v3/contenttype/forms"/>
-  </ds:schemaRefs>
-</ds:datastoreItem>
+<file path=customXml/item3.xml><?xml version="1.0" encoding="utf-8"?>
+<?mso-contentType ?>
+<FormTemplates xmlns="http://schemas.microsoft.com/sharepoint/v3/contenttype/forms">
+  <Display>DocumentLibraryForm</Display>
+  <Edit>DocumentLibraryForm</Edit>
+  <New>DocumentLibraryForm</New>
+</FormTemplates>
 </file>
 
-<file path=customXml/itemProps2.xml><?xml version="1.0" encoding="utf-8"?>
+<file path=customXml/itemProps1.xml><?xml version="1.0" encoding="utf-8"?>
 <ds:datastoreItem xmlns:ds="http://schemas.openxmlformats.org/officeDocument/2006/customXml" ds:itemID="{F990F116-B58F-4255-B05B-DA3808E0E5C6}">
   <ds:schemaRefs>
     <ds:schemaRef ds:uri="http://schemas.openxmlformats.org/package/2006/metadata/core-properties"/>
@@ -39244,7 +39236,7 @@
 </ds:datastoreItem>
 </file>
 
-<file path=customXml/itemProps3.xml><?xml version="1.0" encoding="utf-8"?>
+<file path=customXml/itemProps2.xml><?xml version="1.0" encoding="utf-8"?>
 <ds:datastoreItem xmlns:ds="http://schemas.openxmlformats.org/officeDocument/2006/customXml" ds:itemID="{A4052A8C-2220-4E4B-95E2-C05C9863F10E}">
   <ds:schemaRefs>
     <ds:schemaRef ds:uri="ef38329b-e139-4eb4-9d7a-1b84c79a6610"/>
@@ -39262,6 +39254,14 @@
 </ds:datastoreItem>
 </file>
 
+<file path=customXml/itemProps3.xml><?xml version="1.0" encoding="utf-8"?>
+<ds:datastoreItem xmlns:ds="http://schemas.openxmlformats.org/officeDocument/2006/customXml" ds:itemID="{758FDAC0-319D-4A54-8D8E-1D42CB1F8004}">
+  <ds:schemaRefs>
+    <ds:schemaRef ds:uri="http://schemas.microsoft.com/sharepoint/v3/contenttype/forms"/>
+  </ds:schemaRefs>
+</ds:datastoreItem>
+</file>
+
 <file path=docMetadata/LabelInfo.xml><?xml version="1.0" encoding="utf-8"?>
 <clbl:labelList xmlns:clbl="http://schemas.microsoft.com/office/2020/mipLabelMetadata">
   <clbl:label id="{074e257c-5848-4582-9a6f-34a182080e71}" enabled="1" method="Privileged" siteId="{72f988bf-86f1-41af-91ab-2d7cd011db47}" removed="0"/>

--- a/Session 15 - ALM in Power BI with Deployment Pipelines.pptx
+++ b/Session 15 - ALM in Power BI with Deployment Pipelines.pptx
@@ -500,7 +500,7 @@
           <a:p>
             <a:fld id="{DCE60099-03E7-4FA1-8A7F-E6E6CFB0F855}" type="datetime8">
               <a:rPr lang="en-US" smtClean="0"/>
-              <a:t>10/28/2021 1:17 PM</a:t>
+              <a:t>10/28/2021 1:35 PM</a:t>
             </a:fld>
             <a:endParaRPr lang="en-US"/>
           </a:p>
@@ -1818,7 +1818,7 @@
                 <a:tabLst/>
                 <a:defRPr/>
               </a:pPr>
-              <a:t>10/28/2021 1:17 PM</a:t>
+              <a:t>10/28/2021 1:35 PM</a:t>
             </a:fld>
             <a:endParaRPr kumimoji="0" lang="en-US" sz="1200" b="0" i="0" u="none" strike="noStrike" kern="1200" cap="none" spc="0" normalizeH="0" baseline="0" noProof="0" dirty="0">
               <a:ln>
@@ -2154,7 +2154,7 @@
                 <a:tabLst/>
                 <a:defRPr/>
               </a:pPr>
-              <a:t>10/28/2021 1:17 PM</a:t>
+              <a:t>10/28/2021 1:35 PM</a:t>
             </a:fld>
             <a:endParaRPr kumimoji="0" lang="en-US" sz="1200" b="0" i="0" u="none" strike="noStrike" kern="1200" cap="none" spc="0" normalizeH="0" baseline="0" noProof="0" dirty="0">
               <a:ln>
@@ -2490,7 +2490,7 @@
                 <a:tabLst/>
                 <a:defRPr/>
               </a:pPr>
-              <a:t>10/28/2021 1:17 PM</a:t>
+              <a:t>10/28/2021 1:35 PM</a:t>
             </a:fld>
             <a:endParaRPr kumimoji="0" lang="en-US" sz="1200" b="0" i="0" u="none" strike="noStrike" kern="1200" cap="none" spc="0" normalizeH="0" baseline="0" noProof="0" dirty="0">
               <a:ln>
@@ -2830,7 +2830,7 @@
                 <a:tabLst/>
                 <a:defRPr/>
               </a:pPr>
-              <a:t>10/28/2021 1:17 PM</a:t>
+              <a:t>10/28/2021 1:35 PM</a:t>
             </a:fld>
             <a:endParaRPr kumimoji="0" lang="en-US" sz="1200" b="0" i="0" u="none" strike="noStrike" kern="1200" cap="none" spc="0" normalizeH="0" baseline="0" noProof="0" dirty="0">
               <a:ln>
@@ -6851,7 +6851,7 @@
           <a:graphicData uri="http://schemas.openxmlformats.org/presentationml/2006/ole">
             <mc:AlternateContent xmlns:mc="http://schemas.openxmlformats.org/markup-compatibility/2006">
               <mc:Choice xmlns:v="urn:schemas-microsoft-com:vml" Requires="v">
-                <p:oleObj spid="_x0000_s5127" name="Bitmap Image" r:id="rId3" imgW="14615280" imgH="6789600" progId="Paint.Picture">
+                <p:oleObj spid="_x0000_s5129" name="Bitmap Image" r:id="rId3" imgW="14615280" imgH="6789600" progId="Paint.Picture">
                   <p:embed/>
                 </p:oleObj>
               </mc:Choice>
@@ -16228,7 +16228,7 @@
           <a:graphicData uri="http://schemas.openxmlformats.org/presentationml/2006/ole">
             <mc:AlternateContent xmlns:mc="http://schemas.openxmlformats.org/markup-compatibility/2006">
               <mc:Choice xmlns:v="urn:schemas-microsoft-com:vml" Requires="v">
-                <p:oleObj spid="_x0000_s1096" name="Bitmap Image" r:id="rId4" imgW="380880" imgH="343080" progId="Paint.Picture">
+                <p:oleObj spid="_x0000_s1106" name="Bitmap Image" r:id="rId4" imgW="380880" imgH="343080" progId="Paint.Picture">
                   <p:embed/>
                 </p:oleObj>
               </mc:Choice>
@@ -16291,7 +16291,7 @@
           <a:graphicData uri="http://schemas.openxmlformats.org/presentationml/2006/ole">
             <mc:AlternateContent xmlns:mc="http://schemas.openxmlformats.org/markup-compatibility/2006">
               <mc:Choice xmlns:v="urn:schemas-microsoft-com:vml" Requires="v">
-                <p:oleObj spid="_x0000_s1097" name="Bitmap Image" r:id="rId6" imgW="373320" imgH="365760" progId="Paint.Picture">
+                <p:oleObj spid="_x0000_s1107" name="Bitmap Image" r:id="rId6" imgW="373320" imgH="365760" progId="Paint.Picture">
                   <p:embed/>
                 </p:oleObj>
               </mc:Choice>
@@ -16354,7 +16354,7 @@
           <a:graphicData uri="http://schemas.openxmlformats.org/presentationml/2006/ole">
             <mc:AlternateContent xmlns:mc="http://schemas.openxmlformats.org/markup-compatibility/2006">
               <mc:Choice xmlns:v="urn:schemas-microsoft-com:vml" Requires="v">
-                <p:oleObj spid="_x0000_s1098" name="Bitmap Image" r:id="rId8" imgW="358200" imgH="350640" progId="Paint.Picture">
+                <p:oleObj spid="_x0000_s1108" name="Bitmap Image" r:id="rId8" imgW="358200" imgH="350640" progId="Paint.Picture">
                   <p:embed/>
                 </p:oleObj>
               </mc:Choice>
@@ -16417,7 +16417,7 @@
           <a:graphicData uri="http://schemas.openxmlformats.org/presentationml/2006/ole">
             <mc:AlternateContent xmlns:mc="http://schemas.openxmlformats.org/markup-compatibility/2006">
               <mc:Choice xmlns:v="urn:schemas-microsoft-com:vml" Requires="v">
-                <p:oleObj spid="_x0000_s1099" name="Bitmap Image" r:id="rId10" imgW="358200" imgH="350640" progId="Paint.Picture">
+                <p:oleObj spid="_x0000_s1109" name="Bitmap Image" r:id="rId10" imgW="358200" imgH="350640" progId="Paint.Picture">
                   <p:embed/>
                 </p:oleObj>
               </mc:Choice>
@@ -16480,7 +16480,7 @@
           <a:graphicData uri="http://schemas.openxmlformats.org/presentationml/2006/ole">
             <mc:AlternateContent xmlns:mc="http://schemas.openxmlformats.org/markup-compatibility/2006">
               <mc:Choice xmlns:v="urn:schemas-microsoft-com:vml" Requires="v">
-                <p:oleObj spid="_x0000_s1100" name="Bitmap Image" r:id="rId12" imgW="358200" imgH="350640" progId="Paint.Picture">
+                <p:oleObj spid="_x0000_s1110" name="Bitmap Image" r:id="rId12" imgW="358200" imgH="350640" progId="Paint.Picture">
                   <p:embed/>
                 </p:oleObj>
               </mc:Choice>
@@ -19096,7 +19096,7 @@
         <p:spPr>
           <a:xfrm>
             <a:off x="511277" y="1227439"/>
-            <a:ext cx="11604521" cy="1823576"/>
+            <a:ext cx="11604521" cy="2308324"/>
           </a:xfrm>
         </p:spPr>
         <p:txBody>
@@ -19112,6 +19112,12 @@
             <a:r>
               <a:rPr lang="en-US" dirty="0"/>
               <a:t>Dataset definitions edited using external tools (e.g. Tabular Editor) or API (e.g. TOM)</a:t>
+            </a:r>
+          </a:p>
+          <a:p>
+            <a:r>
+              <a:rPr lang="en-US" dirty="0"/>
+              <a:t>Dataset definitions created with SSDT are not currently supported</a:t>
             </a:r>
           </a:p>
           <a:p>
@@ -19142,7 +19148,7 @@
         </p:nvGrpSpPr>
         <p:grpSpPr>
           <a:xfrm>
-            <a:off x="855561" y="3276235"/>
+            <a:off x="807936" y="3573802"/>
             <a:ext cx="4442020" cy="2321744"/>
             <a:chOff x="957568" y="3994702"/>
             <a:chExt cx="4660893" cy="2498233"/>
@@ -19838,12 +19844,50 @@
           </p:style>
         </p:cxnSp>
       </p:grpSp>
+      <p:pic>
+        <p:nvPicPr>
+          <p:cNvPr id="20" name="Picture 19">
+            <a:extLst>
+              <a:ext uri="{FF2B5EF4-FFF2-40B4-BE49-F238E27FC236}">
+                <a16:creationId xmlns:a16="http://schemas.microsoft.com/office/drawing/2014/main" id="{D6200199-CD9D-4856-8FB9-9C5A22813D6B}"/>
+              </a:ext>
+            </a:extLst>
+          </p:cNvPr>
+          <p:cNvPicPr>
+            <a:picLocks noChangeAspect="1"/>
+          </p:cNvPicPr>
+          <p:nvPr/>
+        </p:nvPicPr>
+        <p:blipFill>
+          <a:blip r:embed="rId3"/>
+          <a:stretch>
+            <a:fillRect/>
+          </a:stretch>
+        </p:blipFill>
+        <p:spPr>
+          <a:xfrm>
+            <a:off x="6147864" y="3582858"/>
+            <a:ext cx="608851" cy="953866"/>
+          </a:xfrm>
+          <a:prstGeom prst="rect">
+            <a:avLst/>
+          </a:prstGeom>
+          <a:ln>
+            <a:solidFill>
+              <a:schemeClr val="tx1">
+                <a:lumMod val="60000"/>
+                <a:lumOff val="40000"/>
+              </a:schemeClr>
+            </a:solidFill>
+          </a:ln>
+        </p:spPr>
+      </p:pic>
       <p:grpSp>
         <p:nvGrpSpPr>
-          <p:cNvPr id="23" name="Group 22">
+          <p:cNvPr id="33" name="Group 32">
             <a:extLst>
               <a:ext uri="{FF2B5EF4-FFF2-40B4-BE49-F238E27FC236}">
-                <a16:creationId xmlns:a16="http://schemas.microsoft.com/office/drawing/2014/main" id="{774C2C51-BF11-40C4-A9D6-DABB0BCBA6B0}"/>
+                <a16:creationId xmlns:a16="http://schemas.microsoft.com/office/drawing/2014/main" id="{C3461B14-0C6E-4734-95E8-3F4A2F0A435D}"/>
               </a:ext>
             </a:extLst>
           </p:cNvPr>
@@ -19852,290 +19896,83 @@
         </p:nvGrpSpPr>
         <p:grpSpPr>
           <a:xfrm>
-            <a:off x="6054906" y="3276235"/>
-            <a:ext cx="1727196" cy="3420723"/>
-            <a:chOff x="6753000" y="3276235"/>
-            <a:chExt cx="1727196" cy="3420723"/>
+            <a:off x="6007281" y="4649569"/>
+            <a:ext cx="1727196" cy="2344956"/>
+            <a:chOff x="6342610" y="3167149"/>
+            <a:chExt cx="2115589" cy="2872264"/>
           </a:xfrm>
         </p:grpSpPr>
-        <p:grpSp>
-          <p:nvGrpSpPr>
-            <p:cNvPr id="21" name="Group 20">
+        <p:pic>
+          <p:nvPicPr>
+            <p:cNvPr id="8" name="Picture 7">
               <a:extLst>
                 <a:ext uri="{FF2B5EF4-FFF2-40B4-BE49-F238E27FC236}">
-                  <a16:creationId xmlns:a16="http://schemas.microsoft.com/office/drawing/2014/main" id="{80B8CE28-7D25-4100-96D3-1DBAFDB532BE}"/>
+                  <a16:creationId xmlns:a16="http://schemas.microsoft.com/office/drawing/2014/main" id="{FA169A5F-279C-491F-B069-D3493BD8B530}"/>
                 </a:ext>
               </a:extLst>
             </p:cNvPr>
-            <p:cNvGrpSpPr/>
+            <p:cNvPicPr>
+              <a:picLocks noChangeAspect="1"/>
+            </p:cNvPicPr>
             <p:nvPr/>
-          </p:nvGrpSpPr>
-          <p:grpSpPr>
+          </p:nvPicPr>
+          <p:blipFill rotWithShape="1">
+            <a:blip r:embed="rId4"/>
+            <a:srcRect l="8491" t="8254" r="1950"/>
+            <a:stretch/>
+          </p:blipFill>
+          <p:spPr>
             <a:xfrm>
-              <a:off x="6893583" y="3276235"/>
-              <a:ext cx="1379818" cy="971486"/>
-              <a:chOff x="6893583" y="3276235"/>
-              <a:chExt cx="1379818" cy="971486"/>
+              <a:off x="6342610" y="3167149"/>
+              <a:ext cx="2110965" cy="2373284"/>
             </a:xfrm>
-          </p:grpSpPr>
-          <p:pic>
-            <p:nvPicPr>
-              <p:cNvPr id="20" name="Picture 19">
-                <a:extLst>
-                  <a:ext uri="{FF2B5EF4-FFF2-40B4-BE49-F238E27FC236}">
-                    <a16:creationId xmlns:a16="http://schemas.microsoft.com/office/drawing/2014/main" id="{D6200199-CD9D-4856-8FB9-9C5A22813D6B}"/>
-                  </a:ext>
-                </a:extLst>
-              </p:cNvPr>
-              <p:cNvPicPr>
-                <a:picLocks noChangeAspect="1"/>
-              </p:cNvPicPr>
-              <p:nvPr/>
-            </p:nvPicPr>
-            <p:blipFill>
-              <a:blip r:embed="rId3"/>
-              <a:stretch>
-                <a:fillRect/>
-              </a:stretch>
-            </p:blipFill>
-            <p:spPr>
-              <a:xfrm>
-                <a:off x="6893583" y="3285291"/>
-                <a:ext cx="608851" cy="953866"/>
-              </a:xfrm>
-              <a:prstGeom prst="rect">
-                <a:avLst/>
-              </a:prstGeom>
-              <a:ln>
-                <a:solidFill>
-                  <a:schemeClr val="tx1">
-                    <a:lumMod val="60000"/>
-                    <a:lumOff val="40000"/>
-                  </a:schemeClr>
-                </a:solidFill>
-              </a:ln>
-            </p:spPr>
-          </p:pic>
-          <p:grpSp>
-            <p:nvGrpSpPr>
-              <p:cNvPr id="27" name="Group 26">
-                <a:extLst>
-                  <a:ext uri="{FF2B5EF4-FFF2-40B4-BE49-F238E27FC236}">
-                    <a16:creationId xmlns:a16="http://schemas.microsoft.com/office/drawing/2014/main" id="{27F2B4C2-6083-42BE-BE08-219AF4628699}"/>
-                  </a:ext>
-                </a:extLst>
-              </p:cNvPr>
-              <p:cNvGrpSpPr/>
-              <p:nvPr/>
-            </p:nvGrpSpPr>
-            <p:grpSpPr>
-              <a:xfrm>
-                <a:off x="7664550" y="3276235"/>
-                <a:ext cx="608851" cy="971486"/>
-                <a:chOff x="185534" y="3458440"/>
-                <a:chExt cx="546611" cy="872176"/>
-              </a:xfrm>
-            </p:grpSpPr>
-            <p:sp>
-              <p:nvSpPr>
-                <p:cNvPr id="22" name="Rectangle 21">
-                  <a:extLst>
-                    <a:ext uri="{FF2B5EF4-FFF2-40B4-BE49-F238E27FC236}">
-                      <a16:creationId xmlns:a16="http://schemas.microsoft.com/office/drawing/2014/main" id="{9AE3A416-DF9A-448E-A602-FE0E62C90AB8}"/>
-                    </a:ext>
-                  </a:extLst>
-                </p:cNvPr>
-                <p:cNvSpPr/>
-                <p:nvPr/>
-              </p:nvSpPr>
-              <p:spPr bwMode="auto">
-                <a:xfrm>
-                  <a:off x="185534" y="3458440"/>
-                  <a:ext cx="546611" cy="872176"/>
-                </a:xfrm>
-                <a:prstGeom prst="rect">
-                  <a:avLst/>
-                </a:prstGeom>
-                <a:solidFill>
-                  <a:srgbClr val="2C2C2F"/>
-                </a:solidFill>
-                <a:ln>
-                  <a:noFill/>
-                  <a:headEnd type="none" w="med" len="med"/>
-                  <a:tailEnd type="none" w="med" len="med"/>
-                </a:ln>
-                <a:effectLst/>
-              </p:spPr>
-              <p:style>
-                <a:lnRef idx="1">
-                  <a:schemeClr val="accent2"/>
-                </a:lnRef>
-                <a:fillRef idx="3">
-                  <a:schemeClr val="accent2"/>
-                </a:fillRef>
-                <a:effectRef idx="2">
-                  <a:schemeClr val="accent2"/>
-                </a:effectRef>
-                <a:fontRef idx="minor">
-                  <a:schemeClr val="lt1"/>
-                </a:fontRef>
-              </p:style>
-              <p:txBody>
-                <a:bodyPr rot="0" spcFirstLastPara="0" vertOverflow="overflow" horzOverflow="overflow" vert="horz" wrap="square" lIns="0" tIns="0" rIns="0" bIns="91440" numCol="1" spcCol="0" rtlCol="0" fromWordArt="0" anchor="b" anchorCtr="0" forceAA="0" compatLnSpc="1">
-                  <a:prstTxWarp prst="textNoShape">
-                    <a:avLst/>
-                  </a:prstTxWarp>
-                  <a:noAutofit/>
-                </a:bodyPr>
-                <a:lstStyle/>
-                <a:p>
-                  <a:pPr algn="ctr" defTabSz="932472" fontAlgn="base">
-                    <a:lnSpc>
-                      <a:spcPct val="90000"/>
-                    </a:lnSpc>
-                    <a:spcBef>
-                      <a:spcPct val="0"/>
-                    </a:spcBef>
-                    <a:spcAft>
-                      <a:spcPct val="0"/>
-                    </a:spcAft>
-                  </a:pPr>
-                  <a:r>
-                    <a:rPr lang="en-US" sz="1200" b="1" dirty="0">
-                      <a:solidFill>
-                        <a:srgbClr val="FDE366"/>
-                      </a:solidFill>
-                      <a:ea typeface="Segoe UI" pitchFamily="34" charset="0"/>
-                      <a:cs typeface="Segoe UI" pitchFamily="34" charset="0"/>
-                    </a:rPr>
-                    <a:t>SSDT</a:t>
-                  </a:r>
-                </a:p>
-              </p:txBody>
-            </p:sp>
-            <p:pic>
-              <p:nvPicPr>
-                <p:cNvPr id="24" name="Picture 23">
-                  <a:extLst>
-                    <a:ext uri="{FF2B5EF4-FFF2-40B4-BE49-F238E27FC236}">
-                      <a16:creationId xmlns:a16="http://schemas.microsoft.com/office/drawing/2014/main" id="{628C25F3-EE35-471B-B746-35EA75DFA281}"/>
-                    </a:ext>
-                  </a:extLst>
-                </p:cNvPr>
-                <p:cNvPicPr>
-                  <a:picLocks noChangeAspect="1"/>
-                </p:cNvPicPr>
-                <p:nvPr/>
-              </p:nvPicPr>
-              <p:blipFill rotWithShape="1">
-                <a:blip r:embed="rId4"/>
-                <a:srcRect l="8586" t="4520" r="12063" b="2512"/>
-                <a:stretch/>
-              </p:blipFill>
-              <p:spPr>
-                <a:xfrm>
-                  <a:off x="226646" y="3514492"/>
-                  <a:ext cx="462736" cy="520312"/>
-                </a:xfrm>
-                <a:prstGeom prst="rect">
-                  <a:avLst/>
-                </a:prstGeom>
-              </p:spPr>
-            </p:pic>
-          </p:grpSp>
-        </p:grpSp>
-        <p:grpSp>
-          <p:nvGrpSpPr>
-            <p:cNvPr id="33" name="Group 32">
+            <a:prstGeom prst="rect">
+              <a:avLst/>
+            </a:prstGeom>
+            <a:ln>
+              <a:solidFill>
+                <a:schemeClr val="tx1">
+                  <a:lumMod val="60000"/>
+                  <a:lumOff val="40000"/>
+                </a:schemeClr>
+              </a:solidFill>
+            </a:ln>
+          </p:spPr>
+        </p:pic>
+        <p:pic>
+          <p:nvPicPr>
+            <p:cNvPr id="6" name="Picture 5">
               <a:extLst>
                 <a:ext uri="{FF2B5EF4-FFF2-40B4-BE49-F238E27FC236}">
-                  <a16:creationId xmlns:a16="http://schemas.microsoft.com/office/drawing/2014/main" id="{C3461B14-0C6E-4734-95E8-3F4A2F0A435D}"/>
+                  <a16:creationId xmlns:a16="http://schemas.microsoft.com/office/drawing/2014/main" id="{0A7E7FD5-52BF-4DD9-AB25-9050B3396B43}"/>
                 </a:ext>
               </a:extLst>
             </p:cNvPr>
-            <p:cNvGrpSpPr/>
+            <p:cNvPicPr>
+              <a:picLocks noChangeAspect="1"/>
+            </p:cNvPicPr>
             <p:nvPr/>
-          </p:nvGrpSpPr>
-          <p:grpSpPr>
+          </p:nvPicPr>
+          <p:blipFill rotWithShape="1">
+            <a:blip r:embed="rId5"/>
+            <a:srcRect l="-1638" t="45559" r="12234" b="37421"/>
+            <a:stretch/>
+          </p:blipFill>
+          <p:spPr>
             <a:xfrm>
-              <a:off x="6753000" y="4352002"/>
-              <a:ext cx="1727196" cy="2344956"/>
-              <a:chOff x="6342610" y="3167149"/>
-              <a:chExt cx="2115589" cy="2872264"/>
+              <a:off x="6342610" y="5552943"/>
+              <a:ext cx="2115589" cy="486470"/>
             </a:xfrm>
-          </p:grpSpPr>
-          <p:pic>
-            <p:nvPicPr>
-              <p:cNvPr id="8" name="Picture 7">
-                <a:extLst>
-                  <a:ext uri="{FF2B5EF4-FFF2-40B4-BE49-F238E27FC236}">
-                    <a16:creationId xmlns:a16="http://schemas.microsoft.com/office/drawing/2014/main" id="{FA169A5F-279C-491F-B069-D3493BD8B530}"/>
-                  </a:ext>
-                </a:extLst>
-              </p:cNvPr>
-              <p:cNvPicPr>
-                <a:picLocks noChangeAspect="1"/>
-              </p:cNvPicPr>
-              <p:nvPr/>
-            </p:nvPicPr>
-            <p:blipFill rotWithShape="1">
-              <a:blip r:embed="rId5"/>
-              <a:srcRect l="8491" t="8254" r="1950"/>
-              <a:stretch/>
-            </p:blipFill>
-            <p:spPr>
-              <a:xfrm>
-                <a:off x="6342610" y="3167149"/>
-                <a:ext cx="2110965" cy="2373284"/>
-              </a:xfrm>
-              <a:prstGeom prst="rect">
-                <a:avLst/>
-              </a:prstGeom>
-              <a:ln>
-                <a:solidFill>
-                  <a:schemeClr val="tx1">
-                    <a:lumMod val="60000"/>
-                    <a:lumOff val="40000"/>
-                  </a:schemeClr>
-                </a:solidFill>
-              </a:ln>
-            </p:spPr>
-          </p:pic>
-          <p:pic>
-            <p:nvPicPr>
-              <p:cNvPr id="6" name="Picture 5">
-                <a:extLst>
-                  <a:ext uri="{FF2B5EF4-FFF2-40B4-BE49-F238E27FC236}">
-                    <a16:creationId xmlns:a16="http://schemas.microsoft.com/office/drawing/2014/main" id="{0A7E7FD5-52BF-4DD9-AB25-9050B3396B43}"/>
-                  </a:ext>
-                </a:extLst>
-              </p:cNvPr>
-              <p:cNvPicPr>
-                <a:picLocks noChangeAspect="1"/>
-              </p:cNvPicPr>
-              <p:nvPr/>
-            </p:nvPicPr>
-            <p:blipFill rotWithShape="1">
-              <a:blip r:embed="rId6"/>
-              <a:srcRect l="-1638" t="45559" r="12234" b="37421"/>
-              <a:stretch/>
-            </p:blipFill>
-            <p:spPr>
-              <a:xfrm>
-                <a:off x="6342610" y="5552943"/>
-                <a:ext cx="2115589" cy="486470"/>
-              </a:xfrm>
-              <a:prstGeom prst="rect">
-                <a:avLst/>
-              </a:prstGeom>
-              <a:ln>
-                <a:solidFill>
-                  <a:schemeClr val="tx1"/>
-                </a:solidFill>
-              </a:ln>
-            </p:spPr>
-          </p:pic>
-        </p:grpSp>
+            <a:prstGeom prst="rect">
+              <a:avLst/>
+            </a:prstGeom>
+            <a:ln>
+              <a:solidFill>
+                <a:schemeClr val="tx1"/>
+              </a:solidFill>
+            </a:ln>
+          </p:spPr>
+        </p:pic>
       </p:grpSp>
       <p:grpSp>
         <p:nvGrpSpPr>
@@ -20151,7 +19988,7 @@
         </p:nvGrpSpPr>
         <p:grpSpPr>
           <a:xfrm>
-            <a:off x="7794548" y="3515543"/>
+            <a:off x="7746923" y="3813110"/>
             <a:ext cx="3664065" cy="2858235"/>
             <a:chOff x="8492642" y="3515543"/>
             <a:chExt cx="3664065" cy="2858235"/>
@@ -20172,7 +20009,7 @@
             <p:nvPr/>
           </p:nvPicPr>
           <p:blipFill rotWithShape="1">
-            <a:blip r:embed="rId7"/>
+            <a:blip r:embed="rId6"/>
             <a:srcRect t="3077" b="-496"/>
             <a:stretch/>
           </p:blipFill>
@@ -20340,33 +20177,6 @@
                                   </p:childTnLst>
                                 </p:cTn>
                               </p:par>
-                              <p:par>
-                                <p:cTn id="7" presetID="1" presetClass="entr" presetSubtype="0" fill="hold" nodeType="withEffect">
-                                  <p:stCondLst>
-                                    <p:cond delay="0"/>
-                                  </p:stCondLst>
-                                  <p:childTnLst>
-                                    <p:set>
-                                      <p:cBhvr>
-                                        <p:cTn id="8" dur="1" fill="hold">
-                                          <p:stCondLst>
-                                            <p:cond delay="0"/>
-                                          </p:stCondLst>
-                                        </p:cTn>
-                                        <p:tgtEl>
-                                          <p:spTgt spid="23"/>
-                                        </p:tgtEl>
-                                        <p:attrNameLst>
-                                          <p:attrName>style.visibility</p:attrName>
-                                        </p:attrNameLst>
-                                      </p:cBhvr>
-                                      <p:to>
-                                        <p:strVal val="visible"/>
-                                      </p:to>
-                                    </p:set>
-                                  </p:childTnLst>
-                                </p:cTn>
-                              </p:par>
                             </p:childTnLst>
                           </p:cTn>
                         </p:par>
@@ -20374,26 +20184,26 @@
                     </p:cTn>
                   </p:par>
                   <p:par>
-                    <p:cTn id="9" fill="hold">
+                    <p:cTn id="7" fill="hold">
                       <p:stCondLst>
                         <p:cond delay="indefinite"/>
                       </p:stCondLst>
                       <p:childTnLst>
                         <p:par>
-                          <p:cTn id="10" fill="hold">
+                          <p:cTn id="8" fill="hold">
                             <p:stCondLst>
                               <p:cond delay="0"/>
                             </p:stCondLst>
                             <p:childTnLst>
                               <p:par>
-                                <p:cTn id="11" presetID="1" presetClass="entr" presetSubtype="0" fill="hold" nodeType="clickEffect">
+                                <p:cTn id="9" presetID="1" presetClass="entr" presetSubtype="0" fill="hold" nodeType="clickEffect">
                                   <p:stCondLst>
                                     <p:cond delay="0"/>
                                   </p:stCondLst>
                                   <p:childTnLst>
                                     <p:set>
                                       <p:cBhvr>
-                                        <p:cTn id="12" dur="1" fill="hold">
+                                        <p:cTn id="10" dur="1" fill="hold">
                                           <p:stCondLst>
                                             <p:cond delay="0"/>
                                           </p:stCondLst>
@@ -20416,8 +20226,26 @@
                                   </p:childTnLst>
                                 </p:cTn>
                               </p:par>
+                            </p:childTnLst>
+                          </p:cTn>
+                        </p:par>
+                      </p:childTnLst>
+                    </p:cTn>
+                  </p:par>
+                  <p:par>
+                    <p:cTn id="11" fill="hold">
+                      <p:stCondLst>
+                        <p:cond delay="indefinite"/>
+                      </p:stCondLst>
+                      <p:childTnLst>
+                        <p:par>
+                          <p:cTn id="12" fill="hold">
+                            <p:stCondLst>
+                              <p:cond delay="0"/>
+                            </p:stCondLst>
+                            <p:childTnLst>
                               <p:par>
-                                <p:cTn id="13" presetID="1" presetClass="entr" presetSubtype="0" fill="hold" nodeType="withEffect">
+                                <p:cTn id="13" presetID="1" presetClass="entr" presetSubtype="0" fill="hold" nodeType="clickEffect">
                                   <p:stCondLst>
                                     <p:cond delay="0"/>
                                   </p:stCondLst>
@@ -20456,6 +20284,37 @@
                                     <p:set>
                                       <p:cBhvr>
                                         <p:cTn id="16" dur="1" fill="hold">
+                                          <p:stCondLst>
+                                            <p:cond delay="0"/>
+                                          </p:stCondLst>
+                                        </p:cTn>
+                                        <p:tgtEl>
+                                          <p:spTgt spid="11">
+                                            <p:txEl>
+                                              <p:pRg st="4" end="4"/>
+                                            </p:txEl>
+                                          </p:spTgt>
+                                        </p:tgtEl>
+                                        <p:attrNameLst>
+                                          <p:attrName>style.visibility</p:attrName>
+                                        </p:attrNameLst>
+                                      </p:cBhvr>
+                                      <p:to>
+                                        <p:strVal val="visible"/>
+                                      </p:to>
+                                    </p:set>
+                                  </p:childTnLst>
+                                </p:cTn>
+                              </p:par>
+                              <p:par>
+                                <p:cTn id="17" presetID="1" presetClass="entr" presetSubtype="0" fill="hold" nodeType="withEffect">
+                                  <p:stCondLst>
+                                    <p:cond delay="0"/>
+                                  </p:stCondLst>
+                                  <p:childTnLst>
+                                    <p:set>
+                                      <p:cBhvr>
+                                        <p:cTn id="18" dur="1" fill="hold">
                                           <p:stCondLst>
                                             <p:cond delay="0"/>
                                           </p:stCondLst>
@@ -22268,7 +22127,7 @@
         <p:spPr>
           <a:xfrm>
             <a:off x="511277" y="1227439"/>
-            <a:ext cx="11604521" cy="1523494"/>
+            <a:ext cx="11604521" cy="1723549"/>
           </a:xfrm>
         </p:spPr>
         <p:txBody>
@@ -22276,7 +22135,7 @@
           <a:lstStyle/>
           <a:p>
             <a:r>
-              <a:rPr lang="en-US" b="0" i="0" dirty="0">
+              <a:rPr lang="en-US" sz="2000" b="0" i="0" dirty="0">
                 <a:effectLst/>
                 <a:latin typeface="Roboto" panose="02000000000000000000" pitchFamily="2" charset="0"/>
               </a:rPr>
@@ -22286,7 +22145,7 @@
           <a:p>
             <a:pPr lvl="1"/>
             <a:r>
-              <a:rPr lang="en-US" dirty="0">
+              <a:rPr lang="en-US" sz="1800" dirty="0">
                 <a:latin typeface="Roboto" panose="02000000000000000000" pitchFamily="2" charset="0"/>
               </a:rPr>
               <a:t>Power BI Dev Camp Session from May 2021</a:t>
@@ -22295,7 +22154,7 @@
           <a:p>
             <a:pPr lvl="1"/>
             <a:r>
-              <a:rPr lang="en-US" dirty="0">
+              <a:rPr lang="en-US" sz="1800" dirty="0">
                 <a:latin typeface="Roboto" panose="02000000000000000000" pitchFamily="2" charset="0"/>
               </a:rPr>
               <a:t>Covers using Power BI REST API operations used in ALM</a:t>
@@ -22304,13 +22163,46 @@
           <a:p>
             <a:pPr lvl="1"/>
             <a:r>
-              <a:rPr lang="en-US" dirty="0">
+              <a:rPr lang="en-US" sz="1800" b="1" dirty="0">
+                <a:latin typeface="Roboto" panose="02000000000000000000" pitchFamily="2" charset="0"/>
+              </a:rPr>
+              <a:t>Video</a:t>
+            </a:r>
+            <a:r>
+              <a:rPr lang="en-US" sz="1800" dirty="0">
+                <a:latin typeface="Roboto" panose="02000000000000000000" pitchFamily="2" charset="0"/>
+              </a:rPr>
+              <a:t>: </a:t>
+            </a:r>
+            <a:r>
+              <a:rPr lang="en-US" sz="1800" dirty="0">
                 <a:hlinkClick r:id="rId2"/>
               </a:rPr>
               <a:t>https://www.youtube.com/watch?v=rwVgbp0LdNs</a:t>
             </a:r>
             <a:r>
-              <a:rPr lang="en-US" dirty="0"/>
+              <a:rPr lang="en-US" sz="1800" dirty="0"/>
+              <a:t> </a:t>
+            </a:r>
+          </a:p>
+          <a:p>
+            <a:pPr lvl="1"/>
+            <a:r>
+              <a:rPr lang="en-US" sz="1800" b="1" dirty="0"/>
+              <a:t>Samples</a:t>
+            </a:r>
+            <a:r>
+              <a:rPr lang="en-US" sz="1800" dirty="0"/>
+              <a:t>: </a:t>
+            </a:r>
+            <a:r>
+              <a:rPr lang="en-US" sz="1800" dirty="0">
+                <a:hlinkClick r:id="rId3"/>
+              </a:rPr>
+              <a:t>https://github.com/PowerBiDevCamp/Programming-Datasets</a:t>
+            </a:r>
+            <a:r>
+              <a:rPr lang="en-US" sz="1800" dirty="0"/>
               <a:t> </a:t>
             </a:r>
           </a:p>
@@ -22331,14 +22223,14 @@
           <p:nvPr/>
         </p:nvPicPr>
         <p:blipFill>
-          <a:blip r:embed="rId3"/>
+          <a:blip r:embed="rId4"/>
           <a:stretch>
             <a:fillRect/>
           </a:stretch>
         </p:blipFill>
         <p:spPr>
           <a:xfrm>
-            <a:off x="1304925" y="3032172"/>
+            <a:off x="1219200" y="3113332"/>
             <a:ext cx="5524500" cy="3690693"/>
           </a:xfrm>
           <a:prstGeom prst="rect">
@@ -23468,7 +23360,7 @@
           <a:graphicData uri="http://schemas.openxmlformats.org/presentationml/2006/ole">
             <mc:AlternateContent xmlns:mc="http://schemas.openxmlformats.org/markup-compatibility/2006">
               <mc:Choice xmlns:v="urn:schemas-microsoft-com:vml" Requires="v">
-                <p:oleObj spid="_x0000_s6151" name="Bitmap Image" r:id="rId4" imgW="4526280" imgH="3863520" progId="Paint.Picture">
+                <p:oleObj spid="_x0000_s6153" name="Bitmap Image" r:id="rId4" imgW="4526280" imgH="3863520" progId="Paint.Picture">
                   <p:embed/>
                 </p:oleObj>
               </mc:Choice>
@@ -39054,12 +38946,6 @@
 </file>
 
 <file path=customXml/item1.xml><?xml version="1.0" encoding="utf-8"?>
-<p:properties xmlns:p="http://schemas.microsoft.com/office/2006/metadata/properties" xmlns:xsi="http://www.w3.org/2001/XMLSchema-instance" xmlns:pc="http://schemas.microsoft.com/office/infopath/2007/PartnerControls">
-  <documentManagement/>
-</p:properties>
-</file>
-
-<file path=customXml/item2.xml><?xml version="1.0" encoding="utf-8"?>
 <ct:contentTypeSchema xmlns:ct="http://schemas.microsoft.com/office/2006/metadata/contentType" xmlns:ma="http://schemas.microsoft.com/office/2006/metadata/properties/metaAttributes" ct:_="" ma:_="" ma:contentTypeName="Document" ma:contentTypeID="0x0101000937CBA2829AB54C847AA138BDB6DD62" ma:contentTypeVersion="6" ma:contentTypeDescription="Create a new document." ma:contentTypeScope="" ma:versionID="0f7e39fa3406a6f330081ac46f53a9d2">
   <xsd:schema xmlns:xsd="http://www.w3.org/2001/XMLSchema" xmlns:xs="http://www.w3.org/2001/XMLSchema" xmlns:p="http://schemas.microsoft.com/office/2006/metadata/properties" xmlns:ns2="ef38329b-e139-4eb4-9d7a-1b84c79a6610" targetNamespace="http://schemas.microsoft.com/office/2006/metadata/properties" ma:root="true" ma:fieldsID="c5e10262f8d934c139771ac03f38712c" ns2:_="">
     <xsd:import namespace="ef38329b-e139-4eb4-9d7a-1b84c79a6610"/>
@@ -39211,7 +39097,7 @@
 </ct:contentTypeSchema>
 </file>
 
-<file path=customXml/item3.xml><?xml version="1.0" encoding="utf-8"?>
+<file path=customXml/item2.xml><?xml version="1.0" encoding="utf-8"?>
 <?mso-contentType ?>
 <FormTemplates xmlns="http://schemas.microsoft.com/sharepoint/v3/contenttype/forms">
   <Display>DocumentLibraryForm</Display>
@@ -39220,23 +39106,13 @@
 </FormTemplates>
 </file>
 
-<file path=customXml/itemProps1.xml><?xml version="1.0" encoding="utf-8"?>
-<ds:datastoreItem xmlns:ds="http://schemas.openxmlformats.org/officeDocument/2006/customXml" ds:itemID="{F990F116-B58F-4255-B05B-DA3808E0E5C6}">
-  <ds:schemaRefs>
-    <ds:schemaRef ds:uri="http://schemas.openxmlformats.org/package/2006/metadata/core-properties"/>
-    <ds:schemaRef ds:uri="http://schemas.microsoft.com/office/infopath/2007/PartnerControls"/>
-    <ds:schemaRef ds:uri="http://purl.org/dc/dcmitype/"/>
-    <ds:schemaRef ds:uri="http://schemas.microsoft.com/office/2006/documentManagement/types"/>
-    <ds:schemaRef ds:uri="http://www.w3.org/XML/1998/namespace"/>
-    <ds:schemaRef ds:uri="http://schemas.microsoft.com/office/2006/metadata/properties"/>
-    <ds:schemaRef ds:uri="http://purl.org/dc/terms/"/>
-    <ds:schemaRef ds:uri="http://purl.org/dc/elements/1.1/"/>
-    <ds:schemaRef ds:uri="ef38329b-e139-4eb4-9d7a-1b84c79a6610"/>
-  </ds:schemaRefs>
-</ds:datastoreItem>
+<file path=customXml/item3.xml><?xml version="1.0" encoding="utf-8"?>
+<p:properties xmlns:p="http://schemas.microsoft.com/office/2006/metadata/properties" xmlns:xsi="http://www.w3.org/2001/XMLSchema-instance" xmlns:pc="http://schemas.microsoft.com/office/infopath/2007/PartnerControls">
+  <documentManagement/>
+</p:properties>
 </file>
 
-<file path=customXml/itemProps2.xml><?xml version="1.0" encoding="utf-8"?>
+<file path=customXml/itemProps1.xml><?xml version="1.0" encoding="utf-8"?>
 <ds:datastoreItem xmlns:ds="http://schemas.openxmlformats.org/officeDocument/2006/customXml" ds:itemID="{A4052A8C-2220-4E4B-95E2-C05C9863F10E}">
   <ds:schemaRefs>
     <ds:schemaRef ds:uri="ef38329b-e139-4eb4-9d7a-1b84c79a6610"/>
@@ -39254,10 +39130,26 @@
 </ds:datastoreItem>
 </file>
 
-<file path=customXml/itemProps3.xml><?xml version="1.0" encoding="utf-8"?>
+<file path=customXml/itemProps2.xml><?xml version="1.0" encoding="utf-8"?>
 <ds:datastoreItem xmlns:ds="http://schemas.openxmlformats.org/officeDocument/2006/customXml" ds:itemID="{758FDAC0-319D-4A54-8D8E-1D42CB1F8004}">
   <ds:schemaRefs>
     <ds:schemaRef ds:uri="http://schemas.microsoft.com/sharepoint/v3/contenttype/forms"/>
+  </ds:schemaRefs>
+</ds:datastoreItem>
+</file>
+
+<file path=customXml/itemProps3.xml><?xml version="1.0" encoding="utf-8"?>
+<ds:datastoreItem xmlns:ds="http://schemas.openxmlformats.org/officeDocument/2006/customXml" ds:itemID="{F990F116-B58F-4255-B05B-DA3808E0E5C6}">
+  <ds:schemaRefs>
+    <ds:schemaRef ds:uri="http://schemas.openxmlformats.org/package/2006/metadata/core-properties"/>
+    <ds:schemaRef ds:uri="http://schemas.microsoft.com/office/infopath/2007/PartnerControls"/>
+    <ds:schemaRef ds:uri="http://purl.org/dc/dcmitype/"/>
+    <ds:schemaRef ds:uri="http://schemas.microsoft.com/office/2006/documentManagement/types"/>
+    <ds:schemaRef ds:uri="http://www.w3.org/XML/1998/namespace"/>
+    <ds:schemaRef ds:uri="http://schemas.microsoft.com/office/2006/metadata/properties"/>
+    <ds:schemaRef ds:uri="http://purl.org/dc/terms/"/>
+    <ds:schemaRef ds:uri="http://purl.org/dc/elements/1.1/"/>
+    <ds:schemaRef ds:uri="ef38329b-e139-4eb4-9d7a-1b84c79a6610"/>
   </ds:schemaRefs>
 </ds:datastoreItem>
 </file>
